--- a/Backup/Institucional/1. Proyecto.pptx
+++ b/Backup/Institucional/1. Proyecto.pptx
@@ -208,7 +208,7 @@
           <a:p>
             <a:fld id="{90643EB6-7AAC-42BC-9AE1-61CDC9F12072}" type="datetimeFigureOut">
               <a:rPr lang="es-AR" smtClean="0"/>
-              <a:t>21/may.24</a:t>
+              <a:t>17/jun.24</a:t>
             </a:fld>
             <a:endParaRPr lang="es-AR"/>
           </a:p>
@@ -584,7 +584,7 @@
           <a:p>
             <a:fld id="{1DCD74F3-1028-4D92-9C82-B78537FB3442}" type="datetime1">
               <a:rPr lang="es-AR" smtClean="0"/>
-              <a:t>21/may.24</a:t>
+              <a:t>17/jun.24</a:t>
             </a:fld>
             <a:endParaRPr lang="es-AR"/>
           </a:p>
@@ -796,7 +796,7 @@
           <a:p>
             <a:fld id="{EC2A5846-91FE-45BF-879B-0705F677EA75}" type="datetime1">
               <a:rPr lang="es-AR" smtClean="0"/>
-              <a:t>21/may.24</a:t>
+              <a:t>17/jun.24</a:t>
             </a:fld>
             <a:endParaRPr lang="es-AR"/>
           </a:p>
@@ -1048,7 +1048,7 @@
           <a:p>
             <a:fld id="{EC2A5846-91FE-45BF-879B-0705F677EA75}" type="datetime1">
               <a:rPr lang="es-AR" smtClean="0"/>
-              <a:t>21/may.24</a:t>
+              <a:t>17/jun.24</a:t>
             </a:fld>
             <a:endParaRPr lang="es-AR"/>
           </a:p>
@@ -1280,7 +1280,7 @@
           <a:p>
             <a:fld id="{AA6103BC-0AD3-4D67-9D0D-52AF3A756CD0}" type="datetime1">
               <a:rPr lang="es-AR" smtClean="0"/>
-              <a:t>21/may.24</a:t>
+              <a:t>17/jun.24</a:t>
             </a:fld>
             <a:endParaRPr lang="es-AR"/>
           </a:p>
@@ -1375,7 +1375,7 @@
           <a:p>
             <a:fld id="{05431E2D-8D6E-4E53-843E-FAF61F3A7A23}" type="datetime1">
               <a:rPr lang="es-AR" smtClean="0"/>
-              <a:t>21/may.24</a:t>
+              <a:t>17/jun.24</a:t>
             </a:fld>
             <a:endParaRPr lang="es-AR"/>
           </a:p>
@@ -1588,7 +1588,7 @@
           <a:p>
             <a:fld id="{50AD797B-996F-43BB-8551-BCFC4E1CBBB9}" type="datetime1">
               <a:rPr lang="es-AR" smtClean="0"/>
-              <a:t>21/may.24</a:t>
+              <a:t>17/jun.24</a:t>
             </a:fld>
             <a:endParaRPr lang="es-AR"/>
           </a:p>
@@ -2271,20 +2271,11 @@
               <a:rPr lang="es-AR" dirty="0" smtClean="0"/>
               <a:t>Opciones Premium: circuito ppp, portales a los que está suscripto, configuraciones estándar personalizadas</a:t>
             </a:r>
-            <a:endParaRPr lang="es-AR" dirty="0" smtClean="0"/>
           </a:p>
           <a:p>
             <a:r>
               <a:rPr lang="es-AR" dirty="0" smtClean="0"/>
-              <a:t>Productores </a:t>
-            </a:r>
-            <a:r>
-              <a:rPr lang="es-AR" dirty="0" smtClean="0"/>
-              <a:t>y </a:t>
-            </a:r>
-            <a:r>
-              <a:rPr lang="es-AR" dirty="0" smtClean="0"/>
-              <a:t>Distribuidores</a:t>
+              <a:t>Productores y Distribuidores</a:t>
             </a:r>
           </a:p>
           <a:p>
@@ -2293,7 +2284,6 @@
               <a:rPr lang="es-AR" dirty="0" smtClean="0"/>
               <a:t>Pagado por cantidad de usuarios derivados.</a:t>
             </a:r>
-            <a:endParaRPr lang="es-AR" dirty="0" smtClean="0"/>
           </a:p>
         </p:txBody>
       </p:sp>
@@ -2337,11 +2327,7 @@
           <a:p>
             <a:r>
               <a:rPr lang="es-AR" dirty="0" smtClean="0"/>
-              <a:t>Potenciales fuentes de ingreso </a:t>
-            </a:r>
-            <a:r>
-              <a:rPr lang="es-AR" dirty="0" smtClean="0"/>
-              <a:t>económico</a:t>
+              <a:t>Potenciales fuentes de ingreso económico</a:t>
             </a:r>
             <a:endParaRPr lang="es-AR" dirty="0"/>
           </a:p>
@@ -3540,14 +3526,6 @@
               </a:rPr>
               <a:t>Universo comercial</a:t>
             </a:r>
-            <a:endParaRPr lang="es-AR" sz="2400" dirty="0">
-              <a:solidFill>
-                <a:schemeClr val="accent6">
-                  <a:lumMod val="50000"/>
-                </a:schemeClr>
-              </a:solidFill>
-              <a:latin typeface="Arial Rounded MT Bold" panose="020F0704030504030204" pitchFamily="34" charset="0"/>
-            </a:endParaRPr>
           </a:p>
         </p:txBody>
       </p:sp>
@@ -4222,121 +4200,114 @@
           <a:lstStyle/>
           <a:p>
             <a:r>
-              <a:rPr lang="es-AR" b="1" dirty="0" smtClean="0"/>
-              <a:t>No se accede a todo el universo de películas posibles.</a:t>
+              <a:rPr lang="es-AR" dirty="0" smtClean="0"/>
+              <a:t>El espectador se pierde de ver películas de su interés, porque desconoce:</a:t>
             </a:r>
           </a:p>
           <a:p>
             <a:pPr lvl="1"/>
             <a:r>
               <a:rPr lang="es-AR" dirty="0" smtClean="0"/>
-              <a:t>Para ver las películas de un distribuidor, generalmente hay que abonarse a su portal.</a:t>
+              <a:t>S</a:t>
+            </a:r>
+            <a:r>
+              <a:rPr lang="es-AR" dirty="0" smtClean="0"/>
+              <a:t>u existencia.</a:t>
             </a:r>
           </a:p>
           <a:p>
             <a:pPr lvl="1"/>
             <a:r>
+              <a:rPr lang="es-AR" dirty="0"/>
+              <a:t>D</a:t>
+            </a:r>
+            <a:r>
               <a:rPr lang="es-AR" dirty="0" smtClean="0"/>
-              <a:t>Uno se abona a un solo portal, rara vez a dos.</a:t>
-            </a:r>
+              <a:t>ónde encontrarla.</a:t>
+            </a:r>
+          </a:p>
+          <a:p>
+            <a:r>
+              <a:rPr lang="es-AR" dirty="0" smtClean="0"/>
+              <a:t>Dificultad para elegir una </a:t>
+            </a:r>
+            <a:r>
+              <a:rPr lang="es-AR" dirty="0" smtClean="0"/>
+              <a:t>película </a:t>
+            </a:r>
+            <a:r>
+              <a:rPr lang="es-AR" dirty="0"/>
+              <a:t>dentro de un </a:t>
+            </a:r>
+            <a:r>
+              <a:rPr lang="es-AR" dirty="0" smtClean="0"/>
+              <a:t>portal.</a:t>
+            </a:r>
+            <a:endParaRPr lang="es-AR" dirty="0"/>
           </a:p>
           <a:p>
             <a:pPr lvl="1"/>
             <a:r>
               <a:rPr lang="es-AR" dirty="0" smtClean="0"/>
-              <a:t>Uno accede solamente a los contenidos de esos portales.</a:t>
+              <a:t>Hastío por los algoritmos basados </a:t>
+            </a:r>
+            <a:r>
+              <a:rPr lang="es-AR" dirty="0" smtClean="0"/>
+              <a:t>en </a:t>
+            </a:r>
+            <a:r>
+              <a:rPr lang="es-AR" dirty="0"/>
+              <a:t>el </a:t>
+            </a:r>
+            <a:r>
+              <a:rPr lang="es-AR" dirty="0" smtClean="0"/>
+              <a:t>historial, que </a:t>
+            </a:r>
+            <a:r>
+              <a:rPr lang="es-AR" dirty="0"/>
+              <a:t>no ofrecen </a:t>
+            </a:r>
+            <a:r>
+              <a:rPr lang="es-AR" dirty="0" smtClean="0"/>
+              <a:t>temas novedosos.</a:t>
             </a:r>
           </a:p>
           <a:p>
             <a:pPr lvl="1"/>
             <a:r>
               <a:rPr lang="es-AR" dirty="0" smtClean="0"/>
-              <a:t>Muchas películas no se ven porque se desconoce su existencia o dónde encontrarla.</a:t>
-            </a:r>
-          </a:p>
-          <a:p>
-            <a:r>
-              <a:rPr lang="es-AR" b="1" dirty="0" smtClean="0"/>
-              <a:t>Dificultad para elegir una película dentro de un portal.</a:t>
-            </a:r>
-          </a:p>
-          <a:p>
-            <a:pPr lvl="1"/>
+              <a:t>Oferta inagotable de películas ajenas al interés del usuario.</a:t>
+            </a:r>
+          </a:p>
+          <a:p>
             <a:r>
               <a:rPr lang="es-AR" dirty="0" smtClean="0"/>
-              <a:t>El modelo actual ofrece un abanico enorme de películas entre las cuales elegir. </a:t>
-            </a:r>
-          </a:p>
-          <a:p>
-            <a:pPr lvl="1"/>
-            <a:r>
-              <a:rPr lang="es-AR" dirty="0" smtClean="0"/>
-              <a:t>Uno termina viendo las referidas por otras personas, o se cansa de buscar y no mira ninguna.</a:t>
-            </a:r>
-          </a:p>
-          <a:p>
-            <a:pPr lvl="1"/>
-            <a:r>
-              <a:rPr lang="es-AR" dirty="0" smtClean="0"/>
-              <a:t>Criterios de </a:t>
-            </a:r>
-            <a:r>
-              <a:rPr lang="es-AR" i="1" dirty="0" smtClean="0"/>
-              <a:t>sugeridos</a:t>
-            </a:r>
-            <a:r>
-              <a:rPr lang="es-AR" dirty="0" smtClean="0"/>
-              <a:t> obsoletos: en base al historial personal (hastío) o más populares.</a:t>
-            </a:r>
-          </a:p>
-          <a:p>
-            <a:r>
-              <a:rPr lang="es-AR" b="1" dirty="0" smtClean="0"/>
-              <a:t>Dispersión, pérdidas de tiempo.</a:t>
-            </a:r>
-          </a:p>
-          <a:p>
-            <a:pPr lvl="1"/>
-            <a:r>
-              <a:rPr lang="es-AR" dirty="0" smtClean="0"/>
-              <a:t>Tiempo dedicado a elegir una película.</a:t>
-            </a:r>
-          </a:p>
-          <a:p>
-            <a:pPr lvl="1"/>
-            <a:r>
-              <a:rPr lang="es-AR" dirty="0" smtClean="0"/>
-              <a:t>Ver </a:t>
-            </a:r>
-            <a:r>
-              <a:rPr lang="es-AR" dirty="0"/>
-              <a:t>una película que luego </a:t>
-            </a:r>
-            <a:r>
-              <a:rPr lang="es-AR" dirty="0" smtClean="0"/>
-              <a:t>abandonamos porque no </a:t>
-            </a:r>
-            <a:r>
-              <a:rPr lang="es-AR" dirty="0"/>
-              <a:t>nos </a:t>
-            </a:r>
-            <a:r>
-              <a:rPr lang="es-AR" dirty="0" smtClean="0"/>
-              <a:t>interesa.</a:t>
-            </a:r>
-            <a:endParaRPr lang="es-AR" dirty="0"/>
-          </a:p>
-          <a:p>
-            <a:pPr lvl="1"/>
-            <a:r>
-              <a:rPr lang="es-AR" dirty="0" smtClean="0"/>
-              <a:t>Publicidades</a:t>
-            </a:r>
-            <a:r>
-              <a:rPr lang="es-AR" dirty="0"/>
-              <a:t>.</a:t>
-            </a:r>
-            <a:endParaRPr lang="es-AR" dirty="0" smtClean="0"/>
+              <a:t>Pérdida de tiempo mirando una película que no es del interés del usuario.</a:t>
+            </a:r>
+          </a:p>
+        </p:txBody>
+      </p:sp>
+      <p:sp>
+        <p:nvSpPr>
+          <p:cNvPr id="4" name="Marcador de número de diapositiva 3"/>
+          <p:cNvSpPr>
+            <a:spLocks noGrp="1"/>
+          </p:cNvSpPr>
+          <p:nvPr>
+            <p:ph type="sldNum" sz="quarter" idx="12"/>
+          </p:nvPr>
+        </p:nvSpPr>
+        <p:spPr/>
+        <p:txBody>
+          <a:bodyPr/>
+          <a:lstStyle/>
+          <a:p>
+            <a:fld id="{4CBA1A90-FCA8-4037-AC43-502FD2F7BA87}" type="slidenum">
+              <a:rPr lang="es-AR" smtClean="0"/>
+              <a:pPr/>
+              <a:t>5</a:t>
+            </a:fld>
+            <a:endParaRPr lang="es-AR"/>
           </a:p>
         </p:txBody>
       </p:sp>
@@ -4357,32 +4328,9 @@
           <a:p>
             <a:r>
               <a:rPr lang="es-AR" dirty="0" smtClean="0"/>
-              <a:t>Inconvenientes de ese paradigma</a:t>
+              <a:t>Inconvenientes de este paradigma</a:t>
             </a:r>
             <a:endParaRPr lang="es-AR" dirty="0"/>
-          </a:p>
-        </p:txBody>
-      </p:sp>
-      <p:sp>
-        <p:nvSpPr>
-          <p:cNvPr id="4" name="Marcador de número de diapositiva 3"/>
-          <p:cNvSpPr>
-            <a:spLocks noGrp="1"/>
-          </p:cNvSpPr>
-          <p:nvPr>
-            <p:ph type="sldNum" sz="quarter" idx="12"/>
-          </p:nvPr>
-        </p:nvSpPr>
-        <p:spPr/>
-        <p:txBody>
-          <a:bodyPr/>
-          <a:lstStyle/>
-          <a:p>
-            <a:fld id="{4CBA1A90-FCA8-4037-AC43-502FD2F7BA87}" type="slidenum">
-              <a:rPr lang="es-AR" smtClean="0"/>
-              <a:t>5</a:t>
-            </a:fld>
-            <a:endParaRPr lang="es-AR"/>
           </a:p>
         </p:txBody>
       </p:sp>
@@ -4440,7 +4388,25 @@
           <a:p>
             <a:r>
               <a:rPr lang="es-AR" dirty="0" smtClean="0"/>
-              <a:t>Un nuevo actor: los facilitadores</a:t>
+              <a:t>Un nuevo </a:t>
+            </a:r>
+            <a:r>
+              <a:rPr lang="es-AR" dirty="0" smtClean="0"/>
+              <a:t>integrante en la cadena de valor </a:t>
+            </a:r>
+            <a:r>
+              <a:rPr lang="es-AR" dirty="0" smtClean="0">
+                <a:sym typeface="Symbol" panose="05050102010706020507" pitchFamily="18" charset="2"/>
+              </a:rPr>
+              <a:t></a:t>
+            </a:r>
+            <a:r>
+              <a:rPr lang="es-AR" dirty="0" smtClean="0"/>
+              <a:t> </a:t>
+            </a:r>
+            <a:r>
+              <a:rPr lang="es-AR" dirty="0" smtClean="0"/>
+              <a:t>los facilitadores</a:t>
             </a:r>
             <a:endParaRPr lang="es-AR" dirty="0"/>
           </a:p>
@@ -5199,11 +5165,7 @@
           <a:p>
             <a:r>
               <a:rPr lang="es-AR" dirty="0" smtClean="0"/>
-              <a:t>Nuestra propuesta </a:t>
-            </a:r>
-            <a:r>
-              <a:rPr lang="es-AR" dirty="0" smtClean="0"/>
-              <a:t>inicial</a:t>
+              <a:t>Nuestra propuesta inicial</a:t>
             </a:r>
             <a:endParaRPr lang="es-AR" dirty="0"/>
           </a:p>
@@ -5983,7 +5945,6 @@
               <a:rPr lang="es-AR" dirty="0" smtClean="0"/>
               <a:t>Búsqueda con criterios personalizados.</a:t>
             </a:r>
-            <a:endParaRPr lang="es-AR" dirty="0" smtClean="0"/>
           </a:p>
           <a:p>
             <a:pPr lvl="1"/>
@@ -5991,7 +5952,6 @@
               <a:rPr lang="es-AR" dirty="0" smtClean="0"/>
               <a:t>Resultados en una sola pantalla, prolija y sin publicidad.</a:t>
             </a:r>
-            <a:endParaRPr lang="es-AR" dirty="0" smtClean="0"/>
           </a:p>
           <a:p>
             <a:r>
@@ -6029,7 +5989,6 @@
               <a:rPr lang="es-AR" dirty="0" smtClean="0"/>
               <a:t>las búsquedas.</a:t>
             </a:r>
-            <a:endParaRPr lang="es-AR" dirty="0" smtClean="0"/>
           </a:p>
           <a:p>
             <a:r>
@@ -6196,7 +6155,6 @@
               <a:rPr lang="es-AR" dirty="0" smtClean="0"/>
               <a:t>Nuestra página los da a conocer y conecta al espectador con el distribuidor.</a:t>
             </a:r>
-            <a:endParaRPr lang="es-AR" dirty="0" smtClean="0"/>
           </a:p>
         </p:txBody>
       </p:sp>
